--- a/Agile/Retrospective.pptx
+++ b/Agile/Retrospective.pptx
@@ -3452,7 +3452,7 @@
                   <a:rPr lang="en-GB" b="1" dirty="0">
                     <a:latin typeface="Georgia" panose="02040502050405020303" pitchFamily="18" charset="0"/>
                   </a:rPr>
-                  <a:t>Worked well</a:t>
+                  <a:t>Went well</a:t>
                 </a:r>
                 <a:endParaRPr lang="en-IN" b="1" dirty="0">
                   <a:latin typeface="Georgia" panose="02040502050405020303" pitchFamily="18" charset="0"/>
@@ -3535,435 +3535,210 @@
             </p:nvGrpSpPr>
             <p:grpSpPr>
               <a:xfrm>
-                <a:off x="1456912" y="3503778"/>
-                <a:ext cx="2148669" cy="2060064"/>
-                <a:chOff x="1423206" y="3503778"/>
-                <a:chExt cx="2148669" cy="2060064"/>
+                <a:off x="1456911" y="3338843"/>
+                <a:ext cx="2148670" cy="2179108"/>
+                <a:chOff x="1423205" y="3338843"/>
+                <a:chExt cx="2148670" cy="2179108"/>
               </a:xfrm>
             </p:grpSpPr>
-            <p:grpSp>
-              <p:nvGrpSpPr>
-                <p:cNvPr id="8" name="Group 7">
+            <p:sp>
+              <p:nvSpPr>
+                <p:cNvPr id="6" name="Rectangle: Single Corner Snipped 5">
                   <a:extLst>
                     <a:ext uri="{FF2B5EF4-FFF2-40B4-BE49-F238E27FC236}">
-                      <a16:creationId xmlns:a16="http://schemas.microsoft.com/office/drawing/2014/main" id="{7D910232-DFDD-4315-A032-A001C837DFFF}"/>
+                      <a16:creationId xmlns:a16="http://schemas.microsoft.com/office/drawing/2014/main" id="{57A19463-A9FA-42E3-BE77-2AF7A188128F}"/>
                     </a:ext>
                   </a:extLst>
                 </p:cNvPr>
-                <p:cNvGrpSpPr/>
+                <p:cNvSpPr/>
                 <p:nvPr/>
-              </p:nvGrpSpPr>
-              <p:grpSpPr>
+              </p:nvSpPr>
+              <p:spPr>
                 <a:xfrm>
-                  <a:off x="1423206" y="3503778"/>
-                  <a:ext cx="891369" cy="891369"/>
-                  <a:chOff x="2251881" y="3671248"/>
-                  <a:chExt cx="914400" cy="914400"/>
+                  <a:off x="1423206" y="3338843"/>
+                  <a:ext cx="2148669" cy="588502"/>
                 </a:xfrm>
-              </p:grpSpPr>
-              <p:sp>
-                <p:nvSpPr>
-                  <p:cNvPr id="6" name="Rectangle: Single Corner Snipped 5">
-                    <a:extLst>
-                      <a:ext uri="{FF2B5EF4-FFF2-40B4-BE49-F238E27FC236}">
-                        <a16:creationId xmlns:a16="http://schemas.microsoft.com/office/drawing/2014/main" id="{57A19463-A9FA-42E3-BE77-2AF7A188128F}"/>
-                      </a:ext>
-                    </a:extLst>
-                  </p:cNvPr>
-                  <p:cNvSpPr/>
-                  <p:nvPr/>
-                </p:nvSpPr>
-                <p:spPr>
-                  <a:xfrm>
-                    <a:off x="2251881" y="3671248"/>
-                    <a:ext cx="914400" cy="914400"/>
-                  </a:xfrm>
-                  <a:prstGeom prst="snip1Rect">
-                    <a:avLst/>
-                  </a:prstGeom>
-                  <a:solidFill>
-                    <a:schemeClr val="accent6">
-                      <a:lumMod val="20000"/>
-                      <a:lumOff val="80000"/>
-                    </a:schemeClr>
-                  </a:solidFill>
-                  <a:ln>
-                    <a:noFill/>
-                  </a:ln>
-                </p:spPr>
-                <p:style>
-                  <a:lnRef idx="2">
-                    <a:schemeClr val="accent1">
-                      <a:shade val="50000"/>
-                    </a:schemeClr>
-                  </a:lnRef>
-                  <a:fillRef idx="1">
-                    <a:schemeClr val="accent1"/>
-                  </a:fillRef>
-                  <a:effectRef idx="0">
-                    <a:schemeClr val="accent1"/>
-                  </a:effectRef>
-                  <a:fontRef idx="minor">
-                    <a:schemeClr val="lt1"/>
-                  </a:fontRef>
-                </p:style>
-                <p:txBody>
-                  <a:bodyPr rtlCol="0" anchor="ctr"/>
-                  <a:lstStyle/>
-                  <a:p>
-                    <a:pPr algn="ctr"/>
-                    <a:r>
-                      <a:rPr lang="en-GB" sz="700" dirty="0">
-                        <a:solidFill>
-                          <a:schemeClr val="tx1"/>
-                        </a:solidFill>
-                        <a:latin typeface="Georgia Pro Light" panose="02040302050405020303" pitchFamily="18" charset="0"/>
-                      </a:rPr>
-                      <a:t>Proper use of Observer Design pattern, Strategy, Decorator, Chain of Responsibility.</a:t>
-                    </a:r>
-                    <a:endParaRPr lang="en-IN" sz="700" dirty="0">
+                <a:prstGeom prst="snip1Rect">
+                  <a:avLst/>
+                </a:prstGeom>
+                <a:solidFill>
+                  <a:schemeClr val="accent6">
+                    <a:lumMod val="20000"/>
+                    <a:lumOff val="80000"/>
+                  </a:schemeClr>
+                </a:solidFill>
+                <a:ln>
+                  <a:noFill/>
+                </a:ln>
+              </p:spPr>
+              <p:style>
+                <a:lnRef idx="2">
+                  <a:schemeClr val="accent1">
+                    <a:shade val="50000"/>
+                  </a:schemeClr>
+                </a:lnRef>
+                <a:fillRef idx="1">
+                  <a:schemeClr val="accent1"/>
+                </a:fillRef>
+                <a:effectRef idx="0">
+                  <a:schemeClr val="accent1"/>
+                </a:effectRef>
+                <a:fontRef idx="minor">
+                  <a:schemeClr val="lt1"/>
+                </a:fontRef>
+              </p:style>
+              <p:txBody>
+                <a:bodyPr rtlCol="0" anchor="ctr"/>
+                <a:lstStyle/>
+                <a:p>
+                  <a:r>
+                    <a:rPr lang="en-GB" sz="800" dirty="0">
                       <a:solidFill>
                         <a:schemeClr val="tx1"/>
                       </a:solidFill>
-                    </a:endParaRPr>
-                  </a:p>
-                </p:txBody>
-              </p:sp>
-              <p:sp>
-                <p:nvSpPr>
-                  <p:cNvPr id="7" name="Isosceles Triangle 6">
-                    <a:extLst>
-                      <a:ext uri="{FF2B5EF4-FFF2-40B4-BE49-F238E27FC236}">
-                        <a16:creationId xmlns:a16="http://schemas.microsoft.com/office/drawing/2014/main" id="{18AC58F7-9A0C-4A4B-BE0C-51AFF60657F8}"/>
-                      </a:ext>
-                    </a:extLst>
-                  </p:cNvPr>
-                  <p:cNvSpPr/>
-                  <p:nvPr/>
-                </p:nvSpPr>
-                <p:spPr>
-                  <a:xfrm rot="13525844">
-                    <a:off x="2942868" y="3734255"/>
-                    <a:ext cx="215369" cy="109214"/>
-                  </a:xfrm>
-                  <a:prstGeom prst="triangle">
-                    <a:avLst/>
-                  </a:prstGeom>
-                  <a:solidFill>
-                    <a:schemeClr val="accent6"/>
-                  </a:solidFill>
-                  <a:ln>
-                    <a:noFill/>
-                  </a:ln>
-                </p:spPr>
-                <p:style>
-                  <a:lnRef idx="2">
-                    <a:schemeClr val="accent1">
-                      <a:shade val="50000"/>
-                    </a:schemeClr>
-                  </a:lnRef>
-                  <a:fillRef idx="1">
-                    <a:schemeClr val="accent1"/>
-                  </a:fillRef>
-                  <a:effectRef idx="0">
-                    <a:schemeClr val="accent1"/>
-                  </a:effectRef>
-                  <a:fontRef idx="minor">
-                    <a:schemeClr val="lt1"/>
-                  </a:fontRef>
-                </p:style>
-                <p:txBody>
-                  <a:bodyPr rtlCol="0" anchor="ctr"/>
-                  <a:lstStyle/>
-                  <a:p>
-                    <a:pPr algn="ctr"/>
-                    <a:endParaRPr lang="en-IN"/>
-                  </a:p>
-                </p:txBody>
-              </p:sp>
-            </p:grpSp>
-            <p:grpSp>
-              <p:nvGrpSpPr>
-                <p:cNvPr id="9" name="Group 8">
+                    </a:rPr>
+                    <a:t>Proper use of Observer Design pattern, Strategy, Decorator, Chain of Responsibility.</a:t>
+                  </a:r>
+                  <a:endParaRPr lang="en-IN" sz="800" dirty="0">
+                    <a:solidFill>
+                      <a:schemeClr val="tx1"/>
+                    </a:solidFill>
+                  </a:endParaRPr>
+                </a:p>
+              </p:txBody>
+            </p:sp>
+            <p:sp>
+              <p:nvSpPr>
+                <p:cNvPr id="10" name="Rectangle: Single Corner Snipped 9">
                   <a:extLst>
                     <a:ext uri="{FF2B5EF4-FFF2-40B4-BE49-F238E27FC236}">
-                      <a16:creationId xmlns:a16="http://schemas.microsoft.com/office/drawing/2014/main" id="{03F07F64-0A70-4F37-B679-5938E12CDA1B}"/>
+                      <a16:creationId xmlns:a16="http://schemas.microsoft.com/office/drawing/2014/main" id="{51975EEB-91C1-4B60-B134-7D56452CAF7B}"/>
                     </a:ext>
                   </a:extLst>
                 </p:cNvPr>
-                <p:cNvGrpSpPr/>
+                <p:cNvSpPr/>
                 <p:nvPr/>
-              </p:nvGrpSpPr>
-              <p:grpSpPr>
+              </p:nvSpPr>
+              <p:spPr>
                 <a:xfrm>
-                  <a:off x="2680506" y="3503778"/>
-                  <a:ext cx="891369" cy="891369"/>
-                  <a:chOff x="2251881" y="3671248"/>
-                  <a:chExt cx="914400" cy="914400"/>
+                  <a:off x="1423205" y="4125063"/>
+                  <a:ext cx="2148670" cy="588502"/>
                 </a:xfrm>
-              </p:grpSpPr>
-              <p:sp>
-                <p:nvSpPr>
-                  <p:cNvPr id="10" name="Rectangle: Single Corner Snipped 9">
-                    <a:extLst>
-                      <a:ext uri="{FF2B5EF4-FFF2-40B4-BE49-F238E27FC236}">
-                        <a16:creationId xmlns:a16="http://schemas.microsoft.com/office/drawing/2014/main" id="{51975EEB-91C1-4B60-B134-7D56452CAF7B}"/>
-                      </a:ext>
-                    </a:extLst>
-                  </p:cNvPr>
-                  <p:cNvSpPr/>
-                  <p:nvPr/>
-                </p:nvSpPr>
-                <p:spPr>
-                  <a:xfrm>
-                    <a:off x="2251881" y="3671248"/>
-                    <a:ext cx="914400" cy="914400"/>
-                  </a:xfrm>
-                  <a:prstGeom prst="snip1Rect">
-                    <a:avLst/>
-                  </a:prstGeom>
-                  <a:solidFill>
-                    <a:schemeClr val="accent6">
-                      <a:lumMod val="20000"/>
-                      <a:lumOff val="80000"/>
-                    </a:schemeClr>
-                  </a:solidFill>
-                  <a:ln>
-                    <a:noFill/>
-                  </a:ln>
-                </p:spPr>
-                <p:style>
-                  <a:lnRef idx="2">
-                    <a:schemeClr val="accent1">
-                      <a:shade val="50000"/>
-                    </a:schemeClr>
-                  </a:lnRef>
-                  <a:fillRef idx="1">
-                    <a:schemeClr val="accent1"/>
-                  </a:fillRef>
-                  <a:effectRef idx="0">
-                    <a:schemeClr val="accent1"/>
-                  </a:effectRef>
-                  <a:fontRef idx="minor">
-                    <a:schemeClr val="lt1"/>
-                  </a:fontRef>
-                </p:style>
-                <p:txBody>
-                  <a:bodyPr rtlCol="0" anchor="ctr"/>
-                  <a:lstStyle/>
-                  <a:p>
-                    <a:pPr algn="ctr"/>
-                    <a:r>
-                      <a:rPr lang="en-GB" sz="700" dirty="0">
-                        <a:solidFill>
-                          <a:schemeClr val="tx1"/>
-                        </a:solidFill>
-                        <a:latin typeface="Georgia Pro Light" panose="02040302050405020303" pitchFamily="18" charset="0"/>
-                      </a:rPr>
-                      <a:t>Weekly in person meeting speed up works. Able to find out spike at early stage.</a:t>
-                    </a:r>
-                    <a:endParaRPr lang="en-IN" sz="700" dirty="0">
+                <a:prstGeom prst="snip1Rect">
+                  <a:avLst/>
+                </a:prstGeom>
+                <a:solidFill>
+                  <a:schemeClr val="accent6">
+                    <a:lumMod val="20000"/>
+                    <a:lumOff val="80000"/>
+                  </a:schemeClr>
+                </a:solidFill>
+                <a:ln>
+                  <a:noFill/>
+                </a:ln>
+              </p:spPr>
+              <p:style>
+                <a:lnRef idx="2">
+                  <a:schemeClr val="accent1">
+                    <a:shade val="50000"/>
+                  </a:schemeClr>
+                </a:lnRef>
+                <a:fillRef idx="1">
+                  <a:schemeClr val="accent1"/>
+                </a:fillRef>
+                <a:effectRef idx="0">
+                  <a:schemeClr val="accent1"/>
+                </a:effectRef>
+                <a:fontRef idx="minor">
+                  <a:schemeClr val="lt1"/>
+                </a:fontRef>
+              </p:style>
+              <p:txBody>
+                <a:bodyPr rtlCol="0" anchor="ctr"/>
+                <a:lstStyle/>
+                <a:p>
+                  <a:r>
+                    <a:rPr lang="en-GB" sz="800" dirty="0">
                       <a:solidFill>
                         <a:schemeClr val="tx1"/>
                       </a:solidFill>
-                    </a:endParaRPr>
-                  </a:p>
-                </p:txBody>
-              </p:sp>
-              <p:sp>
-                <p:nvSpPr>
-                  <p:cNvPr id="11" name="Isosceles Triangle 10">
-                    <a:extLst>
-                      <a:ext uri="{FF2B5EF4-FFF2-40B4-BE49-F238E27FC236}">
-                        <a16:creationId xmlns:a16="http://schemas.microsoft.com/office/drawing/2014/main" id="{3F8023AB-9089-4ADC-8CBB-53DE632C1F33}"/>
-                      </a:ext>
-                    </a:extLst>
-                  </p:cNvPr>
-                  <p:cNvSpPr/>
-                  <p:nvPr/>
-                </p:nvSpPr>
-                <p:spPr>
-                  <a:xfrm rot="13525844">
-                    <a:off x="2942868" y="3734255"/>
-                    <a:ext cx="215369" cy="109214"/>
-                  </a:xfrm>
-                  <a:prstGeom prst="triangle">
-                    <a:avLst/>
-                  </a:prstGeom>
-                  <a:solidFill>
-                    <a:schemeClr val="accent6"/>
-                  </a:solidFill>
-                  <a:ln>
-                    <a:noFill/>
-                  </a:ln>
-                </p:spPr>
-                <p:style>
-                  <a:lnRef idx="2">
-                    <a:schemeClr val="accent1">
-                      <a:shade val="50000"/>
-                    </a:schemeClr>
-                  </a:lnRef>
-                  <a:fillRef idx="1">
-                    <a:schemeClr val="accent1"/>
-                  </a:fillRef>
-                  <a:effectRef idx="0">
-                    <a:schemeClr val="accent1"/>
-                  </a:effectRef>
-                  <a:fontRef idx="minor">
-                    <a:schemeClr val="lt1"/>
-                  </a:fontRef>
-                </p:style>
-                <p:txBody>
-                  <a:bodyPr rtlCol="0" anchor="ctr"/>
-                  <a:lstStyle/>
-                  <a:p>
-                    <a:pPr algn="ctr"/>
-                    <a:endParaRPr lang="en-IN"/>
-                  </a:p>
-                </p:txBody>
-              </p:sp>
-            </p:grpSp>
-            <p:grpSp>
-              <p:nvGrpSpPr>
-                <p:cNvPr id="20" name="Group 19">
+                    </a:rPr>
+                    <a:t>Weekly in person meeting speed up works. Able to find out spike at early stage.</a:t>
+                  </a:r>
+                  <a:endParaRPr lang="en-IN" sz="800" dirty="0">
+                    <a:solidFill>
+                      <a:schemeClr val="tx1"/>
+                    </a:solidFill>
+                  </a:endParaRPr>
+                </a:p>
+              </p:txBody>
+            </p:sp>
+            <p:sp>
+              <p:nvSpPr>
+                <p:cNvPr id="21" name="Rectangle: Single Corner Snipped 20">
                   <a:extLst>
                     <a:ext uri="{FF2B5EF4-FFF2-40B4-BE49-F238E27FC236}">
-                      <a16:creationId xmlns:a16="http://schemas.microsoft.com/office/drawing/2014/main" id="{6D53CD07-6F59-469A-8733-FF9AE6B219CB}"/>
+                      <a16:creationId xmlns:a16="http://schemas.microsoft.com/office/drawing/2014/main" id="{ED2DEE1F-9DDD-4EE9-80DF-17CDD9C298B9}"/>
                     </a:ext>
                   </a:extLst>
                 </p:cNvPr>
-                <p:cNvGrpSpPr/>
+                <p:cNvSpPr/>
                 <p:nvPr/>
-              </p:nvGrpSpPr>
-              <p:grpSpPr>
+              </p:nvSpPr>
+              <p:spPr>
                 <a:xfrm>
-                  <a:off x="2051856" y="4672473"/>
-                  <a:ext cx="891369" cy="891369"/>
-                  <a:chOff x="2251881" y="3671248"/>
-                  <a:chExt cx="914400" cy="914400"/>
+                  <a:off x="1423205" y="4922700"/>
+                  <a:ext cx="2148670" cy="595251"/>
                 </a:xfrm>
-              </p:grpSpPr>
-              <p:sp>
-                <p:nvSpPr>
-                  <p:cNvPr id="21" name="Rectangle: Single Corner Snipped 20">
-                    <a:extLst>
-                      <a:ext uri="{FF2B5EF4-FFF2-40B4-BE49-F238E27FC236}">
-                        <a16:creationId xmlns:a16="http://schemas.microsoft.com/office/drawing/2014/main" id="{ED2DEE1F-9DDD-4EE9-80DF-17CDD9C298B9}"/>
-                      </a:ext>
-                    </a:extLst>
-                  </p:cNvPr>
-                  <p:cNvSpPr/>
-                  <p:nvPr/>
-                </p:nvSpPr>
-                <p:spPr>
-                  <a:xfrm>
-                    <a:off x="2251881" y="3671248"/>
-                    <a:ext cx="914400" cy="914400"/>
-                  </a:xfrm>
-                  <a:prstGeom prst="snip1Rect">
-                    <a:avLst/>
-                  </a:prstGeom>
-                  <a:solidFill>
-                    <a:schemeClr val="accent6">
-                      <a:lumMod val="20000"/>
-                      <a:lumOff val="80000"/>
-                    </a:schemeClr>
-                  </a:solidFill>
-                  <a:ln>
-                    <a:noFill/>
-                  </a:ln>
-                </p:spPr>
-                <p:style>
-                  <a:lnRef idx="2">
-                    <a:schemeClr val="accent1">
-                      <a:shade val="50000"/>
-                    </a:schemeClr>
-                  </a:lnRef>
-                  <a:fillRef idx="1">
-                    <a:schemeClr val="accent1"/>
-                  </a:fillRef>
-                  <a:effectRef idx="0">
-                    <a:schemeClr val="accent1"/>
-                  </a:effectRef>
-                  <a:fontRef idx="minor">
-                    <a:schemeClr val="lt1"/>
-                  </a:fontRef>
-                </p:style>
-                <p:txBody>
-                  <a:bodyPr rtlCol="0" anchor="ctr"/>
-                  <a:lstStyle/>
-                  <a:p>
-                    <a:pPr algn="ctr"/>
-                    <a:r>
-                      <a:rPr lang="en-GB" sz="700" dirty="0">
-                        <a:solidFill>
-                          <a:schemeClr val="tx1"/>
-                        </a:solidFill>
-                        <a:latin typeface="Georgia Pro Light" panose="02040302050405020303" pitchFamily="18" charset="0"/>
-                      </a:rPr>
-                      <a:t>Pair programming helps to reduce design smells at initial stage. Code efficiency ensured.</a:t>
-                    </a:r>
-                    <a:endParaRPr lang="en-IN" sz="700" dirty="0">
+                <a:prstGeom prst="snip1Rect">
+                  <a:avLst/>
+                </a:prstGeom>
+                <a:solidFill>
+                  <a:schemeClr val="accent6">
+                    <a:lumMod val="20000"/>
+                    <a:lumOff val="80000"/>
+                  </a:schemeClr>
+                </a:solidFill>
+                <a:ln>
+                  <a:noFill/>
+                </a:ln>
+              </p:spPr>
+              <p:style>
+                <a:lnRef idx="2">
+                  <a:schemeClr val="accent1">
+                    <a:shade val="50000"/>
+                  </a:schemeClr>
+                </a:lnRef>
+                <a:fillRef idx="1">
+                  <a:schemeClr val="accent1"/>
+                </a:fillRef>
+                <a:effectRef idx="0">
+                  <a:schemeClr val="accent1"/>
+                </a:effectRef>
+                <a:fontRef idx="minor">
+                  <a:schemeClr val="lt1"/>
+                </a:fontRef>
+              </p:style>
+              <p:txBody>
+                <a:bodyPr rtlCol="0" anchor="ctr"/>
+                <a:lstStyle/>
+                <a:p>
+                  <a:r>
+                    <a:rPr lang="en-GB" sz="800" dirty="0">
                       <a:solidFill>
                         <a:schemeClr val="tx1"/>
                       </a:solidFill>
-                    </a:endParaRPr>
-                  </a:p>
-                </p:txBody>
-              </p:sp>
-              <p:sp>
-                <p:nvSpPr>
-                  <p:cNvPr id="22" name="Isosceles Triangle 21">
-                    <a:extLst>
-                      <a:ext uri="{FF2B5EF4-FFF2-40B4-BE49-F238E27FC236}">
-                        <a16:creationId xmlns:a16="http://schemas.microsoft.com/office/drawing/2014/main" id="{9005F354-E646-45F4-B322-221D5704880E}"/>
-                      </a:ext>
-                    </a:extLst>
-                  </p:cNvPr>
-                  <p:cNvSpPr/>
-                  <p:nvPr/>
-                </p:nvSpPr>
-                <p:spPr>
-                  <a:xfrm rot="13525844">
-                    <a:off x="2942868" y="3734255"/>
-                    <a:ext cx="215369" cy="109214"/>
-                  </a:xfrm>
-                  <a:prstGeom prst="triangle">
-                    <a:avLst/>
-                  </a:prstGeom>
-                  <a:solidFill>
-                    <a:schemeClr val="accent6"/>
-                  </a:solidFill>
-                  <a:ln>
-                    <a:noFill/>
-                  </a:ln>
-                </p:spPr>
-                <p:style>
-                  <a:lnRef idx="2">
-                    <a:schemeClr val="accent1">
-                      <a:shade val="50000"/>
-                    </a:schemeClr>
-                  </a:lnRef>
-                  <a:fillRef idx="1">
-                    <a:schemeClr val="accent1"/>
-                  </a:fillRef>
-                  <a:effectRef idx="0">
-                    <a:schemeClr val="accent1"/>
-                  </a:effectRef>
-                  <a:fontRef idx="minor">
-                    <a:schemeClr val="lt1"/>
-                  </a:fontRef>
-                </p:style>
-                <p:txBody>
-                  <a:bodyPr rtlCol="0" anchor="ctr"/>
-                  <a:lstStyle/>
-                  <a:p>
-                    <a:pPr algn="ctr"/>
-                    <a:endParaRPr lang="en-IN"/>
-                  </a:p>
-                </p:txBody>
-              </p:sp>
-            </p:grpSp>
+                    </a:rPr>
+                    <a:t>Pair programming helps to reduce design smells at initial stage. Code efficiency ensured.</a:t>
+                  </a:r>
+                  <a:endParaRPr lang="en-IN" sz="800" dirty="0">
+                    <a:solidFill>
+                      <a:schemeClr val="tx1"/>
+                    </a:solidFill>
+                  </a:endParaRPr>
+                </a:p>
+              </p:txBody>
+            </p:sp>
           </p:grpSp>
         </p:grpSp>
         <p:grpSp>
@@ -4123,435 +3898,210 @@
             </p:nvGrpSpPr>
             <p:grpSpPr>
               <a:xfrm>
-                <a:off x="1456912" y="3503778"/>
-                <a:ext cx="2148669" cy="2060064"/>
-                <a:chOff x="1423206" y="3503778"/>
-                <a:chExt cx="2148669" cy="2060064"/>
+                <a:off x="1456912" y="3338843"/>
+                <a:ext cx="2148669" cy="2179108"/>
+                <a:chOff x="1423206" y="3338843"/>
+                <a:chExt cx="2148669" cy="2179108"/>
               </a:xfrm>
             </p:grpSpPr>
-            <p:grpSp>
-              <p:nvGrpSpPr>
-                <p:cNvPr id="29" name="Group 28">
+            <p:sp>
+              <p:nvSpPr>
+                <p:cNvPr id="36" name="Rectangle: Single Corner Snipped 35">
                   <a:extLst>
                     <a:ext uri="{FF2B5EF4-FFF2-40B4-BE49-F238E27FC236}">
-                      <a16:creationId xmlns:a16="http://schemas.microsoft.com/office/drawing/2014/main" id="{E3C66E97-AFA5-4512-9982-E66349B3F559}"/>
+                      <a16:creationId xmlns:a16="http://schemas.microsoft.com/office/drawing/2014/main" id="{E953EC60-03BB-4FF8-B49B-14A2ADE2CC71}"/>
                     </a:ext>
                   </a:extLst>
                 </p:cNvPr>
-                <p:cNvGrpSpPr/>
+                <p:cNvSpPr/>
                 <p:nvPr/>
-              </p:nvGrpSpPr>
-              <p:grpSpPr>
+              </p:nvSpPr>
+              <p:spPr>
                 <a:xfrm>
-                  <a:off x="1423206" y="3503778"/>
-                  <a:ext cx="891369" cy="891369"/>
-                  <a:chOff x="2251881" y="3671248"/>
-                  <a:chExt cx="914400" cy="914400"/>
+                  <a:off x="1423206" y="3338843"/>
+                  <a:ext cx="2148668" cy="557241"/>
                 </a:xfrm>
-              </p:grpSpPr>
-              <p:sp>
-                <p:nvSpPr>
-                  <p:cNvPr id="36" name="Rectangle: Single Corner Snipped 35">
-                    <a:extLst>
-                      <a:ext uri="{FF2B5EF4-FFF2-40B4-BE49-F238E27FC236}">
-                        <a16:creationId xmlns:a16="http://schemas.microsoft.com/office/drawing/2014/main" id="{E953EC60-03BB-4FF8-B49B-14A2ADE2CC71}"/>
-                      </a:ext>
-                    </a:extLst>
-                  </p:cNvPr>
-                  <p:cNvSpPr/>
-                  <p:nvPr/>
-                </p:nvSpPr>
-                <p:spPr>
-                  <a:xfrm>
-                    <a:off x="2251881" y="3671248"/>
-                    <a:ext cx="914400" cy="914400"/>
-                  </a:xfrm>
-                  <a:prstGeom prst="snip1Rect">
-                    <a:avLst/>
-                  </a:prstGeom>
-                  <a:solidFill>
-                    <a:schemeClr val="accent5">
-                      <a:lumMod val="20000"/>
-                      <a:lumOff val="80000"/>
-                    </a:schemeClr>
-                  </a:solidFill>
-                  <a:ln>
-                    <a:noFill/>
-                  </a:ln>
-                </p:spPr>
-                <p:style>
-                  <a:lnRef idx="2">
-                    <a:schemeClr val="accent1">
-                      <a:shade val="50000"/>
-                    </a:schemeClr>
-                  </a:lnRef>
-                  <a:fillRef idx="1">
-                    <a:schemeClr val="accent1"/>
-                  </a:fillRef>
-                  <a:effectRef idx="0">
-                    <a:schemeClr val="accent1"/>
-                  </a:effectRef>
-                  <a:fontRef idx="minor">
-                    <a:schemeClr val="lt1"/>
-                  </a:fontRef>
-                </p:style>
-                <p:txBody>
-                  <a:bodyPr rtlCol="0" anchor="ctr"/>
-                  <a:lstStyle/>
-                  <a:p>
-                    <a:pPr algn="ctr"/>
-                    <a:r>
-                      <a:rPr lang="en-GB" sz="700" dirty="0">
-                        <a:solidFill>
-                          <a:schemeClr val="tx1"/>
-                        </a:solidFill>
-                        <a:latin typeface="Georgia Pro Light" panose="02040302050405020303" pitchFamily="18" charset="0"/>
-                      </a:rPr>
-                      <a:t>Need to checkout our branches on a regular basis</a:t>
-                    </a:r>
-                    <a:endParaRPr lang="en-IN" sz="700" dirty="0">
+                <a:prstGeom prst="snip1Rect">
+                  <a:avLst/>
+                </a:prstGeom>
+                <a:solidFill>
+                  <a:schemeClr val="accent5">
+                    <a:lumMod val="20000"/>
+                    <a:lumOff val="80000"/>
+                  </a:schemeClr>
+                </a:solidFill>
+                <a:ln>
+                  <a:noFill/>
+                </a:ln>
+              </p:spPr>
+              <p:style>
+                <a:lnRef idx="2">
+                  <a:schemeClr val="accent1">
+                    <a:shade val="50000"/>
+                  </a:schemeClr>
+                </a:lnRef>
+                <a:fillRef idx="1">
+                  <a:schemeClr val="accent1"/>
+                </a:fillRef>
+                <a:effectRef idx="0">
+                  <a:schemeClr val="accent1"/>
+                </a:effectRef>
+                <a:fontRef idx="minor">
+                  <a:schemeClr val="lt1"/>
+                </a:fontRef>
+              </p:style>
+              <p:txBody>
+                <a:bodyPr rtlCol="0" anchor="ctr"/>
+                <a:lstStyle/>
+                <a:p>
+                  <a:r>
+                    <a:rPr lang="en-GB" sz="800" dirty="0">
                       <a:solidFill>
                         <a:schemeClr val="tx1"/>
                       </a:solidFill>
-                    </a:endParaRPr>
-                  </a:p>
-                </p:txBody>
-              </p:sp>
-              <p:sp>
-                <p:nvSpPr>
-                  <p:cNvPr id="37" name="Isosceles Triangle 36">
-                    <a:extLst>
-                      <a:ext uri="{FF2B5EF4-FFF2-40B4-BE49-F238E27FC236}">
-                        <a16:creationId xmlns:a16="http://schemas.microsoft.com/office/drawing/2014/main" id="{424E43B2-967A-4FC3-9EAA-8D199447828E}"/>
-                      </a:ext>
-                    </a:extLst>
-                  </p:cNvPr>
-                  <p:cNvSpPr/>
-                  <p:nvPr/>
-                </p:nvSpPr>
-                <p:spPr>
-                  <a:xfrm rot="13525844">
-                    <a:off x="2942868" y="3734255"/>
-                    <a:ext cx="215369" cy="109214"/>
-                  </a:xfrm>
-                  <a:prstGeom prst="triangle">
-                    <a:avLst/>
-                  </a:prstGeom>
-                  <a:solidFill>
-                    <a:schemeClr val="accent5"/>
-                  </a:solidFill>
-                  <a:ln>
-                    <a:noFill/>
-                  </a:ln>
-                </p:spPr>
-                <p:style>
-                  <a:lnRef idx="2">
-                    <a:schemeClr val="accent1">
-                      <a:shade val="50000"/>
-                    </a:schemeClr>
-                  </a:lnRef>
-                  <a:fillRef idx="1">
-                    <a:schemeClr val="accent1"/>
-                  </a:fillRef>
-                  <a:effectRef idx="0">
-                    <a:schemeClr val="accent1"/>
-                  </a:effectRef>
-                  <a:fontRef idx="minor">
-                    <a:schemeClr val="lt1"/>
-                  </a:fontRef>
-                </p:style>
-                <p:txBody>
-                  <a:bodyPr rtlCol="0" anchor="ctr"/>
-                  <a:lstStyle/>
-                  <a:p>
-                    <a:pPr algn="ctr"/>
-                    <a:endParaRPr lang="en-IN"/>
-                  </a:p>
-                </p:txBody>
-              </p:sp>
-            </p:grpSp>
-            <p:grpSp>
-              <p:nvGrpSpPr>
-                <p:cNvPr id="30" name="Group 29">
+                    </a:rPr>
+                    <a:t>Need to checkout our branches on a regular basis</a:t>
+                  </a:r>
+                  <a:endParaRPr lang="en-IN" sz="800" dirty="0">
+                    <a:solidFill>
+                      <a:schemeClr val="tx1"/>
+                    </a:solidFill>
+                  </a:endParaRPr>
+                </a:p>
+              </p:txBody>
+            </p:sp>
+            <p:sp>
+              <p:nvSpPr>
+                <p:cNvPr id="34" name="Rectangle: Single Corner Snipped 33">
                   <a:extLst>
                     <a:ext uri="{FF2B5EF4-FFF2-40B4-BE49-F238E27FC236}">
-                      <a16:creationId xmlns:a16="http://schemas.microsoft.com/office/drawing/2014/main" id="{A3D28A81-0095-4E3E-ABA0-21D50AF2E17F}"/>
+                      <a16:creationId xmlns:a16="http://schemas.microsoft.com/office/drawing/2014/main" id="{77E2DB9F-F635-4769-AEE2-DBD661BB4905}"/>
                     </a:ext>
                   </a:extLst>
                 </p:cNvPr>
-                <p:cNvGrpSpPr/>
+                <p:cNvSpPr/>
                 <p:nvPr/>
-              </p:nvGrpSpPr>
-              <p:grpSpPr>
+              </p:nvSpPr>
+              <p:spPr>
                 <a:xfrm>
-                  <a:off x="2680506" y="3503778"/>
-                  <a:ext cx="891369" cy="891369"/>
-                  <a:chOff x="2251881" y="3671248"/>
-                  <a:chExt cx="914400" cy="914400"/>
+                  <a:off x="1423206" y="4125062"/>
+                  <a:ext cx="2148669" cy="588502"/>
                 </a:xfrm>
-              </p:grpSpPr>
-              <p:sp>
-                <p:nvSpPr>
-                  <p:cNvPr id="34" name="Rectangle: Single Corner Snipped 33">
-                    <a:extLst>
-                      <a:ext uri="{FF2B5EF4-FFF2-40B4-BE49-F238E27FC236}">
-                        <a16:creationId xmlns:a16="http://schemas.microsoft.com/office/drawing/2014/main" id="{77E2DB9F-F635-4769-AEE2-DBD661BB4905}"/>
-                      </a:ext>
-                    </a:extLst>
-                  </p:cNvPr>
-                  <p:cNvSpPr/>
-                  <p:nvPr/>
-                </p:nvSpPr>
-                <p:spPr>
-                  <a:xfrm>
-                    <a:off x="2251881" y="3671248"/>
-                    <a:ext cx="914400" cy="914400"/>
-                  </a:xfrm>
-                  <a:prstGeom prst="snip1Rect">
-                    <a:avLst/>
-                  </a:prstGeom>
-                  <a:solidFill>
-                    <a:schemeClr val="accent5">
-                      <a:lumMod val="20000"/>
-                      <a:lumOff val="80000"/>
-                    </a:schemeClr>
-                  </a:solidFill>
-                  <a:ln>
-                    <a:noFill/>
-                  </a:ln>
-                </p:spPr>
-                <p:style>
-                  <a:lnRef idx="2">
-                    <a:schemeClr val="accent1">
-                      <a:shade val="50000"/>
-                    </a:schemeClr>
-                  </a:lnRef>
-                  <a:fillRef idx="1">
-                    <a:schemeClr val="accent1"/>
-                  </a:fillRef>
-                  <a:effectRef idx="0">
-                    <a:schemeClr val="accent1"/>
-                  </a:effectRef>
-                  <a:fontRef idx="minor">
-                    <a:schemeClr val="lt1"/>
-                  </a:fontRef>
-                </p:style>
-                <p:txBody>
-                  <a:bodyPr rtlCol="0" anchor="ctr"/>
-                  <a:lstStyle/>
-                  <a:p>
-                    <a:pPr algn="ctr"/>
-                    <a:r>
-                      <a:rPr lang="en-GB" sz="700" dirty="0">
-                        <a:solidFill>
-                          <a:schemeClr val="tx1"/>
-                        </a:solidFill>
-                        <a:latin typeface="Georgia Pro Light" panose="02040302050405020303" pitchFamily="18" charset="0"/>
-                      </a:rPr>
-                      <a:t>Need to create UML diagram immediately when a design pattern is implemented.</a:t>
-                    </a:r>
-                    <a:endParaRPr lang="en-IN" sz="700" dirty="0">
+                <a:prstGeom prst="snip1Rect">
+                  <a:avLst/>
+                </a:prstGeom>
+                <a:solidFill>
+                  <a:schemeClr val="accent5">
+                    <a:lumMod val="20000"/>
+                    <a:lumOff val="80000"/>
+                  </a:schemeClr>
+                </a:solidFill>
+                <a:ln>
+                  <a:noFill/>
+                </a:ln>
+              </p:spPr>
+              <p:style>
+                <a:lnRef idx="2">
+                  <a:schemeClr val="accent1">
+                    <a:shade val="50000"/>
+                  </a:schemeClr>
+                </a:lnRef>
+                <a:fillRef idx="1">
+                  <a:schemeClr val="accent1"/>
+                </a:fillRef>
+                <a:effectRef idx="0">
+                  <a:schemeClr val="accent1"/>
+                </a:effectRef>
+                <a:fontRef idx="minor">
+                  <a:schemeClr val="lt1"/>
+                </a:fontRef>
+              </p:style>
+              <p:txBody>
+                <a:bodyPr rtlCol="0" anchor="ctr"/>
+                <a:lstStyle/>
+                <a:p>
+                  <a:r>
+                    <a:rPr lang="en-GB" sz="800" dirty="0">
                       <a:solidFill>
                         <a:schemeClr val="tx1"/>
                       </a:solidFill>
-                    </a:endParaRPr>
-                  </a:p>
-                </p:txBody>
-              </p:sp>
-              <p:sp>
-                <p:nvSpPr>
-                  <p:cNvPr id="35" name="Isosceles Triangle 34">
-                    <a:extLst>
-                      <a:ext uri="{FF2B5EF4-FFF2-40B4-BE49-F238E27FC236}">
-                        <a16:creationId xmlns:a16="http://schemas.microsoft.com/office/drawing/2014/main" id="{319B1017-A009-404C-B63F-7C8A5DBC215F}"/>
-                      </a:ext>
-                    </a:extLst>
-                  </p:cNvPr>
-                  <p:cNvSpPr/>
-                  <p:nvPr/>
-                </p:nvSpPr>
-                <p:spPr>
-                  <a:xfrm rot="13525844">
-                    <a:off x="2942868" y="3734255"/>
-                    <a:ext cx="215369" cy="109214"/>
-                  </a:xfrm>
-                  <a:prstGeom prst="triangle">
-                    <a:avLst/>
-                  </a:prstGeom>
-                  <a:solidFill>
-                    <a:schemeClr val="accent5"/>
-                  </a:solidFill>
-                  <a:ln>
-                    <a:noFill/>
-                  </a:ln>
-                </p:spPr>
-                <p:style>
-                  <a:lnRef idx="2">
-                    <a:schemeClr val="accent1">
-                      <a:shade val="50000"/>
-                    </a:schemeClr>
-                  </a:lnRef>
-                  <a:fillRef idx="1">
-                    <a:schemeClr val="accent1"/>
-                  </a:fillRef>
-                  <a:effectRef idx="0">
-                    <a:schemeClr val="accent1"/>
-                  </a:effectRef>
-                  <a:fontRef idx="minor">
-                    <a:schemeClr val="lt1"/>
-                  </a:fontRef>
-                </p:style>
-                <p:txBody>
-                  <a:bodyPr rtlCol="0" anchor="ctr"/>
-                  <a:lstStyle/>
-                  <a:p>
-                    <a:pPr algn="ctr"/>
-                    <a:endParaRPr lang="en-IN"/>
-                  </a:p>
-                </p:txBody>
-              </p:sp>
-            </p:grpSp>
-            <p:grpSp>
-              <p:nvGrpSpPr>
-                <p:cNvPr id="31" name="Group 30">
+                    </a:rPr>
+                    <a:t>Need to create UML diagram immediately when a design pattern is implemented.</a:t>
+                  </a:r>
+                  <a:endParaRPr lang="en-IN" sz="800" dirty="0">
+                    <a:solidFill>
+                      <a:schemeClr val="tx1"/>
+                    </a:solidFill>
+                  </a:endParaRPr>
+                </a:p>
+              </p:txBody>
+            </p:sp>
+            <p:sp>
+              <p:nvSpPr>
+                <p:cNvPr id="32" name="Rectangle: Single Corner Snipped 31">
                   <a:extLst>
                     <a:ext uri="{FF2B5EF4-FFF2-40B4-BE49-F238E27FC236}">
-                      <a16:creationId xmlns:a16="http://schemas.microsoft.com/office/drawing/2014/main" id="{9BD5EA75-5DD4-44C7-A201-9F333B67F51A}"/>
+                      <a16:creationId xmlns:a16="http://schemas.microsoft.com/office/drawing/2014/main" id="{8C35146C-A5D6-4F6C-9C2A-6D8598D49A4F}"/>
                     </a:ext>
                   </a:extLst>
                 </p:cNvPr>
-                <p:cNvGrpSpPr/>
+                <p:cNvSpPr/>
                 <p:nvPr/>
-              </p:nvGrpSpPr>
-              <p:grpSpPr>
+              </p:nvSpPr>
+              <p:spPr>
                 <a:xfrm>
-                  <a:off x="2051856" y="4672473"/>
-                  <a:ext cx="891369" cy="891369"/>
-                  <a:chOff x="2251881" y="3671248"/>
-                  <a:chExt cx="914400" cy="914400"/>
+                  <a:off x="1423206" y="4922700"/>
+                  <a:ext cx="2148669" cy="595251"/>
                 </a:xfrm>
-              </p:grpSpPr>
-              <p:sp>
-                <p:nvSpPr>
-                  <p:cNvPr id="32" name="Rectangle: Single Corner Snipped 31">
-                    <a:extLst>
-                      <a:ext uri="{FF2B5EF4-FFF2-40B4-BE49-F238E27FC236}">
-                        <a16:creationId xmlns:a16="http://schemas.microsoft.com/office/drawing/2014/main" id="{8C35146C-A5D6-4F6C-9C2A-6D8598D49A4F}"/>
-                      </a:ext>
-                    </a:extLst>
-                  </p:cNvPr>
-                  <p:cNvSpPr/>
-                  <p:nvPr/>
-                </p:nvSpPr>
-                <p:spPr>
-                  <a:xfrm>
-                    <a:off x="2251881" y="3671248"/>
-                    <a:ext cx="914400" cy="914400"/>
-                  </a:xfrm>
-                  <a:prstGeom prst="snip1Rect">
-                    <a:avLst/>
-                  </a:prstGeom>
-                  <a:solidFill>
-                    <a:schemeClr val="accent5">
-                      <a:lumMod val="20000"/>
-                      <a:lumOff val="80000"/>
-                    </a:schemeClr>
-                  </a:solidFill>
-                  <a:ln>
-                    <a:noFill/>
-                  </a:ln>
-                </p:spPr>
-                <p:style>
-                  <a:lnRef idx="2">
-                    <a:schemeClr val="accent1">
-                      <a:shade val="50000"/>
-                    </a:schemeClr>
-                  </a:lnRef>
-                  <a:fillRef idx="1">
-                    <a:schemeClr val="accent1"/>
-                  </a:fillRef>
-                  <a:effectRef idx="0">
-                    <a:schemeClr val="accent1"/>
-                  </a:effectRef>
-                  <a:fontRef idx="minor">
-                    <a:schemeClr val="lt1"/>
-                  </a:fontRef>
-                </p:style>
-                <p:txBody>
-                  <a:bodyPr rtlCol="0" anchor="ctr"/>
-                  <a:lstStyle/>
-                  <a:p>
-                    <a:pPr algn="ctr"/>
-                    <a:r>
-                      <a:rPr lang="en-GB" sz="700" dirty="0">
-                        <a:solidFill>
-                          <a:schemeClr val="tx1"/>
-                        </a:solidFill>
-                        <a:latin typeface="Georgia Pro Light" panose="02040302050405020303" pitchFamily="18" charset="0"/>
-                      </a:rPr>
-                      <a:t>Need to add test case if time permits.</a:t>
-                    </a:r>
-                    <a:endParaRPr lang="en-IN" sz="700" dirty="0">
+                <a:prstGeom prst="snip1Rect">
+                  <a:avLst/>
+                </a:prstGeom>
+                <a:solidFill>
+                  <a:schemeClr val="accent5">
+                    <a:lumMod val="20000"/>
+                    <a:lumOff val="80000"/>
+                  </a:schemeClr>
+                </a:solidFill>
+                <a:ln>
+                  <a:noFill/>
+                </a:ln>
+              </p:spPr>
+              <p:style>
+                <a:lnRef idx="2">
+                  <a:schemeClr val="accent1">
+                    <a:shade val="50000"/>
+                  </a:schemeClr>
+                </a:lnRef>
+                <a:fillRef idx="1">
+                  <a:schemeClr val="accent1"/>
+                </a:fillRef>
+                <a:effectRef idx="0">
+                  <a:schemeClr val="accent1"/>
+                </a:effectRef>
+                <a:fontRef idx="minor">
+                  <a:schemeClr val="lt1"/>
+                </a:fontRef>
+              </p:style>
+              <p:txBody>
+                <a:bodyPr rtlCol="0" anchor="ctr"/>
+                <a:lstStyle/>
+                <a:p>
+                  <a:r>
+                    <a:rPr lang="en-GB" sz="800" dirty="0">
                       <a:solidFill>
                         <a:schemeClr val="tx1"/>
                       </a:solidFill>
-                    </a:endParaRPr>
-                  </a:p>
-                </p:txBody>
-              </p:sp>
-              <p:sp>
-                <p:nvSpPr>
-                  <p:cNvPr id="33" name="Isosceles Triangle 32">
-                    <a:extLst>
-                      <a:ext uri="{FF2B5EF4-FFF2-40B4-BE49-F238E27FC236}">
-                        <a16:creationId xmlns:a16="http://schemas.microsoft.com/office/drawing/2014/main" id="{5583EFC6-785F-4186-9A59-9E1327F12817}"/>
-                      </a:ext>
-                    </a:extLst>
-                  </p:cNvPr>
-                  <p:cNvSpPr/>
-                  <p:nvPr/>
-                </p:nvSpPr>
-                <p:spPr>
-                  <a:xfrm rot="13525844">
-                    <a:off x="2942868" y="3734255"/>
-                    <a:ext cx="215369" cy="109214"/>
-                  </a:xfrm>
-                  <a:prstGeom prst="triangle">
-                    <a:avLst/>
-                  </a:prstGeom>
-                  <a:solidFill>
-                    <a:schemeClr val="accent5"/>
-                  </a:solidFill>
-                  <a:ln>
-                    <a:noFill/>
-                  </a:ln>
-                </p:spPr>
-                <p:style>
-                  <a:lnRef idx="2">
-                    <a:schemeClr val="accent1">
-                      <a:shade val="50000"/>
-                    </a:schemeClr>
-                  </a:lnRef>
-                  <a:fillRef idx="1">
-                    <a:schemeClr val="accent1"/>
-                  </a:fillRef>
-                  <a:effectRef idx="0">
-                    <a:schemeClr val="accent1"/>
-                  </a:effectRef>
-                  <a:fontRef idx="minor">
-                    <a:schemeClr val="lt1"/>
-                  </a:fontRef>
-                </p:style>
-                <p:txBody>
-                  <a:bodyPr rtlCol="0" anchor="ctr"/>
-                  <a:lstStyle/>
-                  <a:p>
-                    <a:pPr algn="ctr"/>
-                    <a:endParaRPr lang="en-IN"/>
-                  </a:p>
-                </p:txBody>
-              </p:sp>
-            </p:grpSp>
+                    </a:rPr>
+                    <a:t>Need to add test case if time permits.</a:t>
+                  </a:r>
+                  <a:endParaRPr lang="en-IN" sz="800" dirty="0">
+                    <a:solidFill>
+                      <a:schemeClr val="tx1"/>
+                    </a:solidFill>
+                  </a:endParaRPr>
+                </a:p>
+              </p:txBody>
+            </p:sp>
           </p:grpSp>
         </p:grpSp>
         <p:grpSp>
@@ -4628,7 +4178,7 @@
                   <a:rPr lang="en-GB" b="1" dirty="0">
                     <a:latin typeface="Georgia" panose="02040502050405020303" pitchFamily="18" charset="0"/>
                   </a:rPr>
-                  <a:t>What's next?</a:t>
+                  <a:t>Lesson learned</a:t>
                 </a:r>
                 <a:endParaRPr lang="en-IN" b="1" dirty="0">
                   <a:latin typeface="Georgia" panose="02040502050405020303" pitchFamily="18" charset="0"/>
@@ -4711,435 +4261,213 @@
             </p:nvGrpSpPr>
             <p:grpSpPr>
               <a:xfrm>
-                <a:off x="1456912" y="3503778"/>
-                <a:ext cx="2148669" cy="2060064"/>
-                <a:chOff x="1423206" y="3503778"/>
-                <a:chExt cx="2148669" cy="2060064"/>
+                <a:off x="1456911" y="3338843"/>
+                <a:ext cx="2148669" cy="2224999"/>
+                <a:chOff x="1423205" y="3338843"/>
+                <a:chExt cx="2148669" cy="2224999"/>
               </a:xfrm>
             </p:grpSpPr>
-            <p:grpSp>
-              <p:nvGrpSpPr>
-                <p:cNvPr id="42" name="Group 41">
+            <p:sp>
+              <p:nvSpPr>
+                <p:cNvPr id="49" name="Rectangle: Single Corner Snipped 48">
                   <a:extLst>
                     <a:ext uri="{FF2B5EF4-FFF2-40B4-BE49-F238E27FC236}">
-                      <a16:creationId xmlns:a16="http://schemas.microsoft.com/office/drawing/2014/main" id="{0EC9B6A7-7613-42F6-8611-4FA53887C477}"/>
+                      <a16:creationId xmlns:a16="http://schemas.microsoft.com/office/drawing/2014/main" id="{711A21A2-FC58-42F4-B33F-AF8A5730F33B}"/>
                     </a:ext>
                   </a:extLst>
                 </p:cNvPr>
-                <p:cNvGrpSpPr/>
+                <p:cNvSpPr/>
                 <p:nvPr/>
-              </p:nvGrpSpPr>
-              <p:grpSpPr>
+              </p:nvSpPr>
+              <p:spPr>
                 <a:xfrm>
-                  <a:off x="1423206" y="3503778"/>
-                  <a:ext cx="891369" cy="891369"/>
-                  <a:chOff x="2251881" y="3671248"/>
-                  <a:chExt cx="914400" cy="914400"/>
+                  <a:off x="1423205" y="3338843"/>
+                  <a:ext cx="2148669" cy="588502"/>
                 </a:xfrm>
-              </p:grpSpPr>
-              <p:sp>
-                <p:nvSpPr>
-                  <p:cNvPr id="49" name="Rectangle: Single Corner Snipped 48">
-                    <a:extLst>
-                      <a:ext uri="{FF2B5EF4-FFF2-40B4-BE49-F238E27FC236}">
-                        <a16:creationId xmlns:a16="http://schemas.microsoft.com/office/drawing/2014/main" id="{711A21A2-FC58-42F4-B33F-AF8A5730F33B}"/>
-                      </a:ext>
-                    </a:extLst>
-                  </p:cNvPr>
-                  <p:cNvSpPr/>
-                  <p:nvPr/>
-                </p:nvSpPr>
-                <p:spPr>
-                  <a:xfrm>
-                    <a:off x="2251881" y="3671248"/>
-                    <a:ext cx="914400" cy="914400"/>
-                  </a:xfrm>
-                  <a:prstGeom prst="snip1Rect">
-                    <a:avLst/>
-                  </a:prstGeom>
-                  <a:solidFill>
-                    <a:schemeClr val="accent2">
-                      <a:lumMod val="40000"/>
-                      <a:lumOff val="60000"/>
-                    </a:schemeClr>
-                  </a:solidFill>
-                  <a:ln>
-                    <a:noFill/>
-                  </a:ln>
-                </p:spPr>
-                <p:style>
-                  <a:lnRef idx="2">
-                    <a:schemeClr val="accent1">
-                      <a:shade val="50000"/>
-                    </a:schemeClr>
-                  </a:lnRef>
-                  <a:fillRef idx="1">
-                    <a:schemeClr val="accent1"/>
-                  </a:fillRef>
-                  <a:effectRef idx="0">
-                    <a:schemeClr val="accent1"/>
-                  </a:effectRef>
-                  <a:fontRef idx="minor">
-                    <a:schemeClr val="lt1"/>
-                  </a:fontRef>
-                </p:style>
-                <p:txBody>
-                  <a:bodyPr rtlCol="0" anchor="ctr"/>
-                  <a:lstStyle/>
-                  <a:p>
-                    <a:pPr algn="ctr"/>
-                    <a:r>
-                      <a:rPr lang="en-GB" sz="700" dirty="0">
-                        <a:solidFill>
-                          <a:schemeClr val="tx1"/>
-                        </a:solidFill>
-                        <a:latin typeface="Georgia Pro Light" panose="02040302050405020303" pitchFamily="18" charset="0"/>
-                      </a:rPr>
-                      <a:t>Handle screen resize if time permits.</a:t>
-                    </a:r>
-                    <a:endParaRPr lang="en-IN" sz="700" dirty="0">
+                <a:prstGeom prst="snip1Rect">
+                  <a:avLst/>
+                </a:prstGeom>
+                <a:solidFill>
+                  <a:schemeClr val="accent2">
+                    <a:lumMod val="40000"/>
+                    <a:lumOff val="60000"/>
+                  </a:schemeClr>
+                </a:solidFill>
+                <a:ln>
+                  <a:noFill/>
+                </a:ln>
+              </p:spPr>
+              <p:style>
+                <a:lnRef idx="2">
+                  <a:schemeClr val="accent1">
+                    <a:shade val="50000"/>
+                  </a:schemeClr>
+                </a:lnRef>
+                <a:fillRef idx="1">
+                  <a:schemeClr val="accent1"/>
+                </a:fillRef>
+                <a:effectRef idx="0">
+                  <a:schemeClr val="accent1"/>
+                </a:effectRef>
+                <a:fontRef idx="minor">
+                  <a:schemeClr val="lt1"/>
+                </a:fontRef>
+              </p:style>
+              <p:txBody>
+                <a:bodyPr rtlCol="0" anchor="ctr"/>
+                <a:lstStyle/>
+                <a:p>
+                  <a:pPr algn="ctr"/>
+                  <a:r>
+                    <a:rPr lang="en-GB" sz="800" dirty="0">
                       <a:solidFill>
                         <a:schemeClr val="tx1"/>
                       </a:solidFill>
-                    </a:endParaRPr>
-                  </a:p>
-                </p:txBody>
-              </p:sp>
-              <p:sp>
-                <p:nvSpPr>
-                  <p:cNvPr id="50" name="Isosceles Triangle 49">
-                    <a:extLst>
-                      <a:ext uri="{FF2B5EF4-FFF2-40B4-BE49-F238E27FC236}">
-                        <a16:creationId xmlns:a16="http://schemas.microsoft.com/office/drawing/2014/main" id="{29DA37E8-68C0-4C6D-8393-8E65AAE76FE0}"/>
-                      </a:ext>
-                    </a:extLst>
-                  </p:cNvPr>
-                  <p:cNvSpPr/>
-                  <p:nvPr/>
-                </p:nvSpPr>
-                <p:spPr>
-                  <a:xfrm rot="13525844">
-                    <a:off x="2942868" y="3734255"/>
-                    <a:ext cx="215369" cy="109214"/>
-                  </a:xfrm>
-                  <a:prstGeom prst="triangle">
-                    <a:avLst/>
-                  </a:prstGeom>
-                  <a:solidFill>
-                    <a:schemeClr val="accent2"/>
-                  </a:solidFill>
-                  <a:ln>
-                    <a:noFill/>
-                  </a:ln>
-                </p:spPr>
-                <p:style>
-                  <a:lnRef idx="2">
-                    <a:schemeClr val="accent1">
-                      <a:shade val="50000"/>
-                    </a:schemeClr>
-                  </a:lnRef>
-                  <a:fillRef idx="1">
-                    <a:schemeClr val="accent1"/>
-                  </a:fillRef>
-                  <a:effectRef idx="0">
-                    <a:schemeClr val="accent1"/>
-                  </a:effectRef>
-                  <a:fontRef idx="minor">
-                    <a:schemeClr val="lt1"/>
-                  </a:fontRef>
-                </p:style>
-                <p:txBody>
-                  <a:bodyPr rtlCol="0" anchor="ctr"/>
-                  <a:lstStyle/>
-                  <a:p>
-                    <a:pPr algn="ctr"/>
-                    <a:endParaRPr lang="en-IN"/>
-                  </a:p>
-                </p:txBody>
-              </p:sp>
-            </p:grpSp>
-            <p:grpSp>
-              <p:nvGrpSpPr>
-                <p:cNvPr id="43" name="Group 42">
+                    </a:rPr>
+                    <a:t>Create PR, don’t merge to main branch directly.</a:t>
+                  </a:r>
+                  <a:endParaRPr lang="en-IN" sz="800" dirty="0">
+                    <a:solidFill>
+                      <a:schemeClr val="tx1"/>
+                    </a:solidFill>
+                  </a:endParaRPr>
+                </a:p>
+              </p:txBody>
+            </p:sp>
+            <p:sp>
+              <p:nvSpPr>
+                <p:cNvPr id="47" name="Rectangle: Single Corner Snipped 46">
                   <a:extLst>
                     <a:ext uri="{FF2B5EF4-FFF2-40B4-BE49-F238E27FC236}">
-                      <a16:creationId xmlns:a16="http://schemas.microsoft.com/office/drawing/2014/main" id="{EB4F6967-541F-43E7-A2C6-EFEDC48972B0}"/>
+                      <a16:creationId xmlns:a16="http://schemas.microsoft.com/office/drawing/2014/main" id="{1190B440-76B5-4604-8195-EAA2403438F9}"/>
                     </a:ext>
                   </a:extLst>
                 </p:cNvPr>
-                <p:cNvGrpSpPr/>
+                <p:cNvSpPr/>
                 <p:nvPr/>
-              </p:nvGrpSpPr>
-              <p:grpSpPr>
+              </p:nvSpPr>
+              <p:spPr>
                 <a:xfrm>
-                  <a:off x="2680506" y="3503778"/>
-                  <a:ext cx="891369" cy="891369"/>
-                  <a:chOff x="2251881" y="3671248"/>
-                  <a:chExt cx="914400" cy="914400"/>
+                  <a:off x="1423205" y="4125060"/>
+                  <a:ext cx="2148669" cy="547412"/>
                 </a:xfrm>
-              </p:grpSpPr>
-              <p:sp>
-                <p:nvSpPr>
-                  <p:cNvPr id="47" name="Rectangle: Single Corner Snipped 46">
-                    <a:extLst>
-                      <a:ext uri="{FF2B5EF4-FFF2-40B4-BE49-F238E27FC236}">
-                        <a16:creationId xmlns:a16="http://schemas.microsoft.com/office/drawing/2014/main" id="{1190B440-76B5-4604-8195-EAA2403438F9}"/>
-                      </a:ext>
-                    </a:extLst>
-                  </p:cNvPr>
-                  <p:cNvSpPr/>
-                  <p:nvPr/>
-                </p:nvSpPr>
-                <p:spPr>
-                  <a:xfrm>
-                    <a:off x="2251881" y="3671248"/>
-                    <a:ext cx="914400" cy="914400"/>
-                  </a:xfrm>
-                  <a:prstGeom prst="snip1Rect">
-                    <a:avLst/>
-                  </a:prstGeom>
-                  <a:solidFill>
-                    <a:schemeClr val="accent2">
-                      <a:lumMod val="40000"/>
-                      <a:lumOff val="60000"/>
-                    </a:schemeClr>
-                  </a:solidFill>
-                  <a:ln>
-                    <a:noFill/>
-                  </a:ln>
-                </p:spPr>
-                <p:style>
-                  <a:lnRef idx="2">
-                    <a:schemeClr val="accent1">
-                      <a:shade val="50000"/>
-                    </a:schemeClr>
-                  </a:lnRef>
-                  <a:fillRef idx="1">
-                    <a:schemeClr val="accent1"/>
-                  </a:fillRef>
-                  <a:effectRef idx="0">
-                    <a:schemeClr val="accent1"/>
-                  </a:effectRef>
-                  <a:fontRef idx="minor">
-                    <a:schemeClr val="lt1"/>
-                  </a:fontRef>
-                </p:style>
-                <p:txBody>
-                  <a:bodyPr rtlCol="0" anchor="ctr"/>
-                  <a:lstStyle/>
-                  <a:p>
-                    <a:pPr algn="ctr"/>
-                    <a:r>
-                      <a:rPr lang="en-GB" sz="700" dirty="0">
-                        <a:solidFill>
-                          <a:schemeClr val="tx1"/>
-                        </a:solidFill>
-                        <a:latin typeface="Georgia Pro Light" panose="02040302050405020303" pitchFamily="18" charset="0"/>
-                      </a:rPr>
-                      <a:t>Introduce Multilevel game play.</a:t>
-                    </a:r>
-                    <a:endParaRPr lang="en-IN" sz="700" dirty="0">
+                <a:prstGeom prst="snip1Rect">
+                  <a:avLst/>
+                </a:prstGeom>
+                <a:solidFill>
+                  <a:schemeClr val="accent2">
+                    <a:lumMod val="40000"/>
+                    <a:lumOff val="60000"/>
+                  </a:schemeClr>
+                </a:solidFill>
+                <a:ln>
+                  <a:noFill/>
+                </a:ln>
+              </p:spPr>
+              <p:style>
+                <a:lnRef idx="2">
+                  <a:schemeClr val="accent1">
+                    <a:shade val="50000"/>
+                  </a:schemeClr>
+                </a:lnRef>
+                <a:fillRef idx="1">
+                  <a:schemeClr val="accent1"/>
+                </a:fillRef>
+                <a:effectRef idx="0">
+                  <a:schemeClr val="accent1"/>
+                </a:effectRef>
+                <a:fontRef idx="minor">
+                  <a:schemeClr val="lt1"/>
+                </a:fontRef>
+              </p:style>
+              <p:txBody>
+                <a:bodyPr rtlCol="0" anchor="ctr"/>
+                <a:lstStyle/>
+                <a:p>
+                  <a:pPr algn="ctr"/>
+                  <a:r>
+                    <a:rPr lang="en-GB" sz="800" dirty="0">
                       <a:solidFill>
                         <a:schemeClr val="tx1"/>
                       </a:solidFill>
-                    </a:endParaRPr>
-                  </a:p>
-                </p:txBody>
-              </p:sp>
-              <p:sp>
-                <p:nvSpPr>
-                  <p:cNvPr id="48" name="Isosceles Triangle 47">
-                    <a:extLst>
-                      <a:ext uri="{FF2B5EF4-FFF2-40B4-BE49-F238E27FC236}">
-                        <a16:creationId xmlns:a16="http://schemas.microsoft.com/office/drawing/2014/main" id="{67D9A6C3-6B6D-4DD4-B65B-790745E8A1E2}"/>
-                      </a:ext>
-                    </a:extLst>
-                  </p:cNvPr>
-                  <p:cNvSpPr/>
-                  <p:nvPr/>
-                </p:nvSpPr>
-                <p:spPr>
-                  <a:xfrm rot="13525844">
-                    <a:off x="2942868" y="3734255"/>
-                    <a:ext cx="215369" cy="109214"/>
-                  </a:xfrm>
-                  <a:prstGeom prst="triangle">
-                    <a:avLst/>
-                  </a:prstGeom>
-                  <a:solidFill>
-                    <a:schemeClr val="accent2"/>
-                  </a:solidFill>
-                  <a:ln>
-                    <a:noFill/>
-                  </a:ln>
-                </p:spPr>
-                <p:style>
-                  <a:lnRef idx="2">
-                    <a:schemeClr val="accent1">
-                      <a:shade val="50000"/>
-                    </a:schemeClr>
-                  </a:lnRef>
-                  <a:fillRef idx="1">
-                    <a:schemeClr val="accent1"/>
-                  </a:fillRef>
-                  <a:effectRef idx="0">
-                    <a:schemeClr val="accent1"/>
-                  </a:effectRef>
-                  <a:fontRef idx="minor">
-                    <a:schemeClr val="lt1"/>
-                  </a:fontRef>
-                </p:style>
-                <p:txBody>
-                  <a:bodyPr rtlCol="0" anchor="ctr"/>
-                  <a:lstStyle/>
-                  <a:p>
-                    <a:pPr algn="ctr"/>
-                    <a:endParaRPr lang="en-IN"/>
-                  </a:p>
-                </p:txBody>
-              </p:sp>
-            </p:grpSp>
-            <p:grpSp>
-              <p:nvGrpSpPr>
-                <p:cNvPr id="44" name="Group 43">
+                    </a:rPr>
+                    <a:t>Any kind of design pattern changes needs to discussed first before start implementing. </a:t>
+                  </a:r>
+                  <a:endParaRPr lang="en-IN" sz="800" dirty="0">
+                    <a:solidFill>
+                      <a:schemeClr val="tx1"/>
+                    </a:solidFill>
+                  </a:endParaRPr>
+                </a:p>
+              </p:txBody>
+            </p:sp>
+            <p:sp>
+              <p:nvSpPr>
+                <p:cNvPr id="45" name="Rectangle: Single Corner Snipped 44">
                   <a:extLst>
                     <a:ext uri="{FF2B5EF4-FFF2-40B4-BE49-F238E27FC236}">
-                      <a16:creationId xmlns:a16="http://schemas.microsoft.com/office/drawing/2014/main" id="{A8B88E1B-A5D1-4E1A-9DF6-0CD6B2B6F53E}"/>
+                      <a16:creationId xmlns:a16="http://schemas.microsoft.com/office/drawing/2014/main" id="{DBE648D4-AF26-46F0-B613-BA17C99B976F}"/>
                     </a:ext>
                   </a:extLst>
                 </p:cNvPr>
-                <p:cNvGrpSpPr/>
+                <p:cNvSpPr/>
                 <p:nvPr/>
-              </p:nvGrpSpPr>
-              <p:grpSpPr>
+              </p:nvSpPr>
+              <p:spPr>
                 <a:xfrm>
-                  <a:off x="2051856" y="4672473"/>
-                  <a:ext cx="891369" cy="891369"/>
-                  <a:chOff x="2251881" y="3671248"/>
-                  <a:chExt cx="914400" cy="914400"/>
+                  <a:off x="1423205" y="4922700"/>
+                  <a:ext cx="2148668" cy="641142"/>
                 </a:xfrm>
-              </p:grpSpPr>
-              <p:sp>
-                <p:nvSpPr>
-                  <p:cNvPr id="45" name="Rectangle: Single Corner Snipped 44">
-                    <a:extLst>
-                      <a:ext uri="{FF2B5EF4-FFF2-40B4-BE49-F238E27FC236}">
-                        <a16:creationId xmlns:a16="http://schemas.microsoft.com/office/drawing/2014/main" id="{DBE648D4-AF26-46F0-B613-BA17C99B976F}"/>
-                      </a:ext>
-                    </a:extLst>
-                  </p:cNvPr>
-                  <p:cNvSpPr/>
-                  <p:nvPr/>
-                </p:nvSpPr>
-                <p:spPr>
-                  <a:xfrm>
-                    <a:off x="2251881" y="3671248"/>
-                    <a:ext cx="914400" cy="914400"/>
-                  </a:xfrm>
-                  <a:prstGeom prst="snip1Rect">
-                    <a:avLst/>
-                  </a:prstGeom>
-                  <a:solidFill>
-                    <a:schemeClr val="accent2">
-                      <a:lumMod val="40000"/>
-                      <a:lumOff val="60000"/>
-                    </a:schemeClr>
-                  </a:solidFill>
-                  <a:ln>
-                    <a:noFill/>
-                  </a:ln>
-                </p:spPr>
-                <p:style>
-                  <a:lnRef idx="2">
-                    <a:schemeClr val="accent1">
-                      <a:shade val="50000"/>
-                    </a:schemeClr>
-                  </a:lnRef>
-                  <a:fillRef idx="1">
-                    <a:schemeClr val="accent1"/>
-                  </a:fillRef>
-                  <a:effectRef idx="0">
-                    <a:schemeClr val="accent1"/>
-                  </a:effectRef>
-                  <a:fontRef idx="minor">
-                    <a:schemeClr val="lt1"/>
-                  </a:fontRef>
-                </p:style>
-                <p:txBody>
-                  <a:bodyPr rtlCol="0" anchor="ctr"/>
-                  <a:lstStyle/>
-                  <a:p>
-                    <a:pPr algn="ctr"/>
-                    <a:r>
-                      <a:rPr lang="en-GB" sz="700" dirty="0">
-                        <a:solidFill>
-                          <a:schemeClr val="tx1"/>
-                        </a:solidFill>
-                        <a:latin typeface="Georgia Pro Light" panose="02040302050405020303" pitchFamily="18" charset="0"/>
-                      </a:rPr>
-                      <a:t>Need to ensure code comments are made, proper architecture documents are placed. </a:t>
-                    </a:r>
-                    <a:endParaRPr lang="en-IN" sz="700" dirty="0">
+                <a:prstGeom prst="snip1Rect">
+                  <a:avLst/>
+                </a:prstGeom>
+                <a:solidFill>
+                  <a:schemeClr val="accent2">
+                    <a:lumMod val="40000"/>
+                    <a:lumOff val="60000"/>
+                  </a:schemeClr>
+                </a:solidFill>
+                <a:ln>
+                  <a:noFill/>
+                </a:ln>
+              </p:spPr>
+              <p:style>
+                <a:lnRef idx="2">
+                  <a:schemeClr val="accent1">
+                    <a:shade val="50000"/>
+                  </a:schemeClr>
+                </a:lnRef>
+                <a:fillRef idx="1">
+                  <a:schemeClr val="accent1"/>
+                </a:fillRef>
+                <a:effectRef idx="0">
+                  <a:schemeClr val="accent1"/>
+                </a:effectRef>
+                <a:fontRef idx="minor">
+                  <a:schemeClr val="lt1"/>
+                </a:fontRef>
+              </p:style>
+              <p:txBody>
+                <a:bodyPr rtlCol="0" anchor="ctr"/>
+                <a:lstStyle/>
+                <a:p>
+                  <a:pPr algn="ctr"/>
+                  <a:r>
+                    <a:rPr lang="en-GB" sz="800" dirty="0">
                       <a:solidFill>
                         <a:schemeClr val="tx1"/>
                       </a:solidFill>
-                    </a:endParaRPr>
-                  </a:p>
-                </p:txBody>
-              </p:sp>
-              <p:sp>
-                <p:nvSpPr>
-                  <p:cNvPr id="46" name="Isosceles Triangle 45">
-                    <a:extLst>
-                      <a:ext uri="{FF2B5EF4-FFF2-40B4-BE49-F238E27FC236}">
-                        <a16:creationId xmlns:a16="http://schemas.microsoft.com/office/drawing/2014/main" id="{8A01A291-4666-46C4-A2B8-560870D1A1D8}"/>
-                      </a:ext>
-                    </a:extLst>
-                  </p:cNvPr>
-                  <p:cNvSpPr/>
-                  <p:nvPr/>
-                </p:nvSpPr>
-                <p:spPr>
-                  <a:xfrm rot="13525844">
-                    <a:off x="2942868" y="3734255"/>
-                    <a:ext cx="215369" cy="109214"/>
-                  </a:xfrm>
-                  <a:prstGeom prst="triangle">
-                    <a:avLst/>
-                  </a:prstGeom>
-                  <a:solidFill>
-                    <a:schemeClr val="accent2"/>
-                  </a:solidFill>
-                  <a:ln>
-                    <a:noFill/>
-                  </a:ln>
-                </p:spPr>
-                <p:style>
-                  <a:lnRef idx="2">
-                    <a:schemeClr val="accent1">
-                      <a:shade val="50000"/>
-                    </a:schemeClr>
-                  </a:lnRef>
-                  <a:fillRef idx="1">
-                    <a:schemeClr val="accent1"/>
-                  </a:fillRef>
-                  <a:effectRef idx="0">
-                    <a:schemeClr val="accent1"/>
-                  </a:effectRef>
-                  <a:fontRef idx="minor">
-                    <a:schemeClr val="lt1"/>
-                  </a:fontRef>
-                </p:style>
-                <p:txBody>
-                  <a:bodyPr rtlCol="0" anchor="ctr"/>
-                  <a:lstStyle/>
-                  <a:p>
-                    <a:pPr algn="ctr"/>
-                    <a:endParaRPr lang="en-IN"/>
-                  </a:p>
-                </p:txBody>
-              </p:sp>
-            </p:grpSp>
+                    </a:rPr>
+                    <a:t>Speak out about the blockers in the daily stand-up meeting, don’t hesitate.</a:t>
+                  </a:r>
+                  <a:endParaRPr lang="en-IN" sz="800" dirty="0">
+                    <a:solidFill>
+                      <a:schemeClr val="tx1"/>
+                    </a:solidFill>
+                  </a:endParaRPr>
+                </a:p>
+              </p:txBody>
+            </p:sp>
           </p:grpSp>
         </p:grpSp>
       </p:grpSp>
@@ -6087,6 +5415,38 @@
           </p:txBody>
         </p:sp>
       </p:grpSp>
+      <p:sp>
+        <p:nvSpPr>
+          <p:cNvPr id="2" name="TextBox 1">
+            <a:extLst>
+              <a:ext uri="{FF2B5EF4-FFF2-40B4-BE49-F238E27FC236}">
+                <a16:creationId xmlns:a16="http://schemas.microsoft.com/office/drawing/2014/main" id="{F29B54DC-43BB-E1BE-4619-85D26A752FFD}"/>
+              </a:ext>
+            </a:extLst>
+          </p:cNvPr>
+          <p:cNvSpPr txBox="1"/>
+          <p:nvPr/>
+        </p:nvSpPr>
+        <p:spPr>
+          <a:xfrm>
+            <a:off x="10439400" y="7171267"/>
+            <a:ext cx="184731" cy="369332"/>
+          </a:xfrm>
+          <a:prstGeom prst="rect">
+            <a:avLst/>
+          </a:prstGeom>
+          <a:noFill/>
+        </p:spPr>
+        <p:txBody>
+          <a:bodyPr wrap="none" rtlCol="0">
+            <a:spAutoFit/>
+          </a:bodyPr>
+          <a:lstStyle/>
+          <a:p>
+            <a:endParaRPr lang="en-US" dirty="0"/>
+          </a:p>
+        </p:txBody>
+      </p:sp>
     </p:spTree>
     <p:extLst>
       <p:ext uri="{BB962C8B-B14F-4D97-AF65-F5344CB8AC3E}">
